--- a/PEA307 ADVANCED_ANALYTICAL_SKILLS-I/Lecture9Lecture1010_25853_CI and SIFinal.pptx
+++ b/PEA307 ADVANCED_ANALYTICAL_SKILLS-I/Lecture9Lecture1010_25853_CI and SIFinal.pptx
@@ -187,6 +187,14 @@
     </p:ext>
   </p:extLst>
 </p:presentation>
+</file>
+
+<file path=ppt/revisionInfo.xml><?xml version="1.0" encoding="utf-8"?>
+<p1510:revInfo xmlns:a="http://schemas.openxmlformats.org/drawingml/2006/main" xmlns:r="http://schemas.openxmlformats.org/officeDocument/2006/relationships" xmlns:p1510="http://schemas.microsoft.com/office/powerpoint/2015/10/main">
+  <p1510:revLst>
+    <p1510:client id="{21316F5C-F2DC-4588-94EB-04AD3974E82A}" v="1" dt="2023-03-14T16:25:50.710"/>
+  </p1510:revLst>
+</p1510:revInfo>
 </file>
 
 <file path=ppt/changesInfos/changesInfo1.xml><?xml version="1.0" encoding="utf-8"?>
@@ -1491,6 +1499,30 @@
       </pc:sldMasterChg>
     </pc:docChg>
   </pc:docChgLst>
+  <pc:docChgLst>
+    <pc:chgData name="Ayan Ruzdan" userId="281b3fb1-178d-4595-a67e-42f3d5782a4e" providerId="ADAL" clId="{21316F5C-F2DC-4588-94EB-04AD3974E82A}"/>
+    <pc:docChg chg="custSel modSld">
+      <pc:chgData name="Ayan Ruzdan" userId="281b3fb1-178d-4595-a67e-42f3d5782a4e" providerId="ADAL" clId="{21316F5C-F2DC-4588-94EB-04AD3974E82A}" dt="2023-03-14T16:26:20.690" v="211" actId="478"/>
+      <pc:docMkLst>
+        <pc:docMk/>
+      </pc:docMkLst>
+      <pc:sldChg chg="addSp delSp modSp mod">
+        <pc:chgData name="Ayan Ruzdan" userId="281b3fb1-178d-4595-a67e-42f3d5782a4e" providerId="ADAL" clId="{21316F5C-F2DC-4588-94EB-04AD3974E82A}" dt="2023-03-14T16:26:20.690" v="211" actId="478"/>
+        <pc:sldMkLst>
+          <pc:docMk/>
+          <pc:sldMk cId="2674417559" sldId="343"/>
+        </pc:sldMkLst>
+        <pc:spChg chg="add del mod">
+          <ac:chgData name="Ayan Ruzdan" userId="281b3fb1-178d-4595-a67e-42f3d5782a4e" providerId="ADAL" clId="{21316F5C-F2DC-4588-94EB-04AD3974E82A}" dt="2023-03-14T16:26:20.690" v="211" actId="478"/>
+          <ac:spMkLst>
+            <pc:docMk/>
+            <pc:sldMk cId="2674417559" sldId="343"/>
+            <ac:spMk id="2" creationId="{3A2F5FC9-78DA-901F-84A9-D8A001652675}"/>
+          </ac:spMkLst>
+        </pc:spChg>
+      </pc:sldChg>
+    </pc:docChg>
+  </pc:docChgLst>
 </pc:chgInfo>
 </file>
 
@@ -1679,7 +1711,7 @@
               <a:pPr>
                 <a:defRPr/>
               </a:pPr>
-              <a:t>5/11/2022</a:t>
+              <a:t>3/14/2023</a:t>
             </a:fld>
             <a:endParaRPr lang="en-US" dirty="0"/>
           </a:p>
@@ -1857,7 +1889,7 @@
               <a:pPr>
                 <a:defRPr/>
               </a:pPr>
-              <a:t>5/11/2022</a:t>
+              <a:t>3/14/2023</a:t>
             </a:fld>
             <a:endParaRPr lang="en-US" dirty="0"/>
           </a:p>
@@ -2045,7 +2077,7 @@
               <a:pPr>
                 <a:defRPr/>
               </a:pPr>
-              <a:t>5/11/2022</a:t>
+              <a:t>3/14/2023</a:t>
             </a:fld>
             <a:endParaRPr lang="en-US" dirty="0"/>
           </a:p>
@@ -2223,7 +2255,7 @@
               <a:pPr>
                 <a:defRPr/>
               </a:pPr>
-              <a:t>5/11/2022</a:t>
+              <a:t>3/14/2023</a:t>
             </a:fld>
             <a:endParaRPr lang="en-US" dirty="0"/>
           </a:p>
@@ -2478,7 +2510,7 @@
               <a:pPr>
                 <a:defRPr/>
               </a:pPr>
-              <a:t>5/11/2022</a:t>
+              <a:t>3/14/2023</a:t>
             </a:fld>
             <a:endParaRPr lang="en-US" dirty="0"/>
           </a:p>
@@ -2773,7 +2805,7 @@
               <a:pPr>
                 <a:defRPr/>
               </a:pPr>
-              <a:t>5/11/2022</a:t>
+              <a:t>3/14/2023</a:t>
             </a:fld>
             <a:endParaRPr lang="en-US" dirty="0"/>
           </a:p>
@@ -3207,7 +3239,7 @@
               <a:pPr>
                 <a:defRPr/>
               </a:pPr>
-              <a:t>5/11/2022</a:t>
+              <a:t>3/14/2023</a:t>
             </a:fld>
             <a:endParaRPr lang="en-US" dirty="0"/>
           </a:p>
@@ -3334,7 +3366,7 @@
               <a:pPr>
                 <a:defRPr/>
               </a:pPr>
-              <a:t>5/11/2022</a:t>
+              <a:t>3/14/2023</a:t>
             </a:fld>
             <a:endParaRPr lang="en-US" dirty="0"/>
           </a:p>
@@ -3439,7 +3471,7 @@
               <a:pPr>
                 <a:defRPr/>
               </a:pPr>
-              <a:t>5/11/2022</a:t>
+              <a:t>3/14/2023</a:t>
             </a:fld>
             <a:endParaRPr lang="en-US" dirty="0"/>
           </a:p>
@@ -3724,7 +3756,7 @@
               <a:pPr>
                 <a:defRPr/>
               </a:pPr>
-              <a:t>5/11/2022</a:t>
+              <a:t>3/14/2023</a:t>
             </a:fld>
             <a:endParaRPr lang="en-US" dirty="0"/>
           </a:p>
@@ -3986,7 +4018,7 @@
               <a:pPr>
                 <a:defRPr/>
               </a:pPr>
-              <a:t>5/11/2022</a:t>
+              <a:t>3/14/2023</a:t>
             </a:fld>
             <a:endParaRPr lang="en-US" dirty="0"/>
           </a:p>
@@ -4207,7 +4239,7 @@
               <a:pPr>
                 <a:defRPr/>
               </a:pPr>
-              <a:t>5/11/2022</a:t>
+              <a:t>3/14/2023</a:t>
             </a:fld>
             <a:endParaRPr lang="en-US" dirty="0"/>
           </a:p>
@@ -5214,8 +5246,8 @@
           <a:chExt cx="0" cy="0"/>
         </a:xfrm>
       </p:grpSpPr>
-      <mc:AlternateContent xmlns:mc="http://schemas.openxmlformats.org/markup-compatibility/2006">
-        <mc:Choice xmlns:a14="http://schemas.microsoft.com/office/drawing/2010/main" Requires="a14">
+      <mc:AlternateContent xmlns:mc="http://schemas.openxmlformats.org/markup-compatibility/2006" xmlns:a14="http://schemas.microsoft.com/office/drawing/2010/main">
+        <mc:Choice Requires="a14">
           <p:sp>
             <p:nvSpPr>
               <p:cNvPr id="4" name="TextBox 3"/>
@@ -5374,7 +5406,7 @@
             </p:txBody>
           </p:sp>
         </mc:Choice>
-        <mc:Fallback>
+        <mc:Fallback xmlns="">
           <p:sp>
             <p:nvSpPr>
               <p:cNvPr id="4" name="TextBox 3"/>
@@ -6840,8 +6872,8 @@
           <a:chExt cx="0" cy="0"/>
         </a:xfrm>
       </p:grpSpPr>
-      <mc:AlternateContent xmlns:mc="http://schemas.openxmlformats.org/markup-compatibility/2006">
-        <mc:Choice xmlns:a14="http://schemas.microsoft.com/office/drawing/2010/main" Requires="a14">
+      <mc:AlternateContent xmlns:mc="http://schemas.openxmlformats.org/markup-compatibility/2006" xmlns:a14="http://schemas.microsoft.com/office/drawing/2010/main">
+        <mc:Choice Requires="a14">
           <p:sp>
             <p:nvSpPr>
               <p:cNvPr id="4" name="TextBox 3"/>
@@ -7017,7 +7049,7 @@
             </p:txBody>
           </p:sp>
         </mc:Choice>
-        <mc:Fallback>
+        <mc:Fallback xmlns="">
           <p:sp>
             <p:nvSpPr>
               <p:cNvPr id="4" name="TextBox 3"/>
@@ -8478,7 +8510,7 @@
             </a:pPr>
             <a:r>
               <a:rPr lang="en-US" sz="2400" dirty="0">
-                <a:latin typeface="Book Antiqua" panose="02040602050305030304" pitchFamily="18" charset="0"/>
+                <a:latin typeface="Book Antiqua" pitchFamily="18" charset="0"/>
               </a:rPr>
               <a:t>[D] Rs.12400</a:t>
             </a:r>
@@ -8810,7 +8842,7 @@
           <a:p>
             <a:pPr algn="just"/>
             <a:endParaRPr lang="en-US" sz="2400" dirty="0">
-              <a:latin typeface="Book Antiqua" pitchFamily="18" charset="0"/>
+              <a:latin typeface="Book Antiqua" panose="02040602050305030304" pitchFamily="18" charset="0"/>
             </a:endParaRPr>
           </a:p>
           <a:p>
@@ -8821,7 +8853,7 @@
             </a:pPr>
             <a:r>
               <a:rPr lang="en-US" sz="2400" dirty="0">
-                <a:latin typeface="Book Antiqua" pitchFamily="18" charset="0"/>
+                <a:latin typeface="Book Antiqua" panose="02040602050305030304" pitchFamily="18" charset="0"/>
               </a:rPr>
               <a:t>[A] 3.6</a:t>
             </a:r>
@@ -8834,7 +8866,7 @@
             </a:pPr>
             <a:r>
               <a:rPr lang="en-US" sz="2400" dirty="0">
-                <a:latin typeface="Book Antiqua" pitchFamily="18" charset="0"/>
+                <a:latin typeface="Book Antiqua" panose="02040602050305030304" pitchFamily="18" charset="0"/>
               </a:rPr>
               <a:t>[B] 6</a:t>
             </a:r>
@@ -8847,7 +8879,7 @@
             </a:pPr>
             <a:r>
               <a:rPr lang="en-US" sz="2400" dirty="0">
-                <a:latin typeface="Book Antiqua" pitchFamily="18" charset="0"/>
+                <a:latin typeface="Book Antiqua" panose="02040602050305030304" pitchFamily="18" charset="0"/>
               </a:rPr>
               <a:t>[C] 18</a:t>
             </a:r>
@@ -8860,7 +8892,7 @@
             </a:pPr>
             <a:r>
               <a:rPr lang="en-US" sz="2400" dirty="0">
-                <a:latin typeface="Book Antiqua" pitchFamily="18" charset="0"/>
+                <a:latin typeface="Book Antiqua" panose="02040602050305030304" pitchFamily="18" charset="0"/>
               </a:rPr>
               <a:t>[D] Can not be determined</a:t>
             </a:r>
